--- a/DSA 6000 Term Project Presentation-1.pptx
+++ b/DSA 6000 Term Project Presentation-1.pptx
@@ -218,7 +218,7 @@
           <a:p>
             <a:fld id="{A5C20BB3-3CCB-4FE5-991B-82F6BCB48AF3}" type="datetimeFigureOut">
               <a:rPr lang="en-US" smtClean="0"/>
-              <a:t>12/2/18</a:t>
+              <a:t>12/3/2018</a:t>
             </a:fld>
             <a:endParaRPr lang="en-US"/>
           </a:p>
@@ -1016,7 +1016,7 @@
             <a:fld id="{3C633830-2244-49AE-BC4A-47F415C177C6}" type="datetimeFigureOut">
               <a:rPr lang="en-US" dirty="0"/>
               <a:pPr/>
-              <a:t>12/2/18</a:t>
+              <a:t>12/3/2018</a:t>
             </a:fld>
             <a:endParaRPr lang="en-US" dirty="0"/>
           </a:p>
@@ -1264,7 +1264,7 @@
           <a:p>
             <a:fld id="{3C633830-2244-49AE-BC4A-47F415C177C6}" type="datetimeFigureOut">
               <a:rPr lang="en-US" dirty="0"/>
-              <a:t>12/2/18</a:t>
+              <a:t>12/3/2018</a:t>
             </a:fld>
             <a:endParaRPr lang="en-US" dirty="0"/>
           </a:p>
@@ -1650,7 +1650,7 @@
           <a:p>
             <a:fld id="{3C633830-2244-49AE-BC4A-47F415C177C6}" type="datetimeFigureOut">
               <a:rPr lang="en-US" dirty="0"/>
-              <a:t>12/2/18</a:t>
+              <a:t>12/3/2018</a:t>
             </a:fld>
             <a:endParaRPr lang="en-US" dirty="0"/>
           </a:p>
@@ -1894,7 +1894,7 @@
           <a:p>
             <a:fld id="{3C633830-2244-49AE-BC4A-47F415C177C6}" type="datetimeFigureOut">
               <a:rPr lang="en-US" dirty="0"/>
-              <a:t>12/2/18</a:t>
+              <a:t>12/3/2018</a:t>
             </a:fld>
             <a:endParaRPr lang="en-US" dirty="0"/>
           </a:p>
@@ -2378,7 +2378,7 @@
             <a:fld id="{3C633830-2244-49AE-BC4A-47F415C177C6}" type="datetimeFigureOut">
               <a:rPr lang="en-US" dirty="0"/>
               <a:pPr/>
-              <a:t>12/2/18</a:t>
+              <a:t>12/3/2018</a:t>
             </a:fld>
             <a:endParaRPr lang="en-US" dirty="0"/>
           </a:p>
@@ -2688,7 +2688,7 @@
           <a:p>
             <a:fld id="{3C633830-2244-49AE-BC4A-47F415C177C6}" type="datetimeFigureOut">
               <a:rPr lang="en-US" dirty="0"/>
-              <a:t>12/2/18</a:t>
+              <a:t>12/3/2018</a:t>
             </a:fld>
             <a:endParaRPr lang="en-US" dirty="0"/>
           </a:p>
@@ -3079,7 +3079,7 @@
           <a:p>
             <a:fld id="{3C633830-2244-49AE-BC4A-47F415C177C6}" type="datetimeFigureOut">
               <a:rPr lang="en-US" dirty="0"/>
-              <a:t>12/2/18</a:t>
+              <a:t>12/3/2018</a:t>
             </a:fld>
             <a:endParaRPr lang="en-US" dirty="0"/>
           </a:p>
@@ -3197,7 +3197,7 @@
           <a:p>
             <a:fld id="{3C633830-2244-49AE-BC4A-47F415C177C6}" type="datetimeFigureOut">
               <a:rPr lang="en-US" dirty="0"/>
-              <a:t>12/2/18</a:t>
+              <a:t>12/3/2018</a:t>
             </a:fld>
             <a:endParaRPr lang="en-US" dirty="0"/>
           </a:p>
@@ -3292,7 +3292,7 @@
           <a:p>
             <a:fld id="{3C633830-2244-49AE-BC4A-47F415C177C6}" type="datetimeFigureOut">
               <a:rPr lang="en-US" dirty="0"/>
-              <a:t>12/2/18</a:t>
+              <a:t>12/3/2018</a:t>
             </a:fld>
             <a:endParaRPr lang="en-US" dirty="0"/>
           </a:p>
@@ -3592,7 +3592,7 @@
           <a:p>
             <a:fld id="{3C633830-2244-49AE-BC4A-47F415C177C6}" type="datetimeFigureOut">
               <a:rPr lang="en-US" dirty="0"/>
-              <a:t>12/2/18</a:t>
+              <a:t>12/3/2018</a:t>
             </a:fld>
             <a:endParaRPr lang="en-US" dirty="0"/>
           </a:p>
@@ -3857,7 +3857,7 @@
           <a:p>
             <a:fld id="{3C633830-2244-49AE-BC4A-47F415C177C6}" type="datetimeFigureOut">
               <a:rPr lang="en-US" dirty="0"/>
-              <a:t>12/2/18</a:t>
+              <a:t>12/3/2018</a:t>
             </a:fld>
             <a:endParaRPr lang="en-US" dirty="0"/>
           </a:p>
@@ -4276,7 +4276,7 @@
             <a:fld id="{3C633830-2244-49AE-BC4A-47F415C177C6}" type="datetimeFigureOut">
               <a:rPr lang="en-US" dirty="0"/>
               <a:pPr/>
-              <a:t>12/2/18</a:t>
+              <a:t>12/3/2018</a:t>
             </a:fld>
             <a:endParaRPr lang="en-US" dirty="0"/>
           </a:p>
@@ -7221,8 +7221,8 @@
         </p:nvSpPr>
         <p:spPr>
           <a:xfrm>
-            <a:off x="3904735" y="643466"/>
-            <a:ext cx="7643799" cy="4937287"/>
+            <a:off x="3904735" y="643467"/>
+            <a:ext cx="7643799" cy="1699684"/>
           </a:xfrm>
         </p:spPr>
         <p:txBody>
@@ -7242,6 +7242,236 @@
               <a:t>Tableau</a:t>
             </a:r>
             <a:endParaRPr dirty="0"/>
+          </a:p>
+        </p:txBody>
+      </p:sp>
+      <p:sp>
+        <p:nvSpPr>
+          <p:cNvPr id="4" name="Content Placeholder 2">
+            <a:extLst>
+              <a:ext uri="{FF2B5EF4-FFF2-40B4-BE49-F238E27FC236}">
+                <a16:creationId xmlns:a16="http://schemas.microsoft.com/office/drawing/2014/main" id="{8C26E0D6-7D8D-46E7-B7D4-8056CD087497}"/>
+              </a:ext>
+            </a:extLst>
+          </p:cNvPr>
+          <p:cNvSpPr txBox="1">
+            <a:spLocks/>
+          </p:cNvSpPr>
+          <p:nvPr/>
+        </p:nvSpPr>
+        <p:spPr>
+          <a:xfrm>
+            <a:off x="3904734" y="2343151"/>
+            <a:ext cx="7643799" cy="1699684"/>
+          </a:xfrm>
+          <a:prstGeom prst="rect">
+            <a:avLst/>
+          </a:prstGeom>
+        </p:spPr>
+        <p:txBody>
+          <a:bodyPr vert="horz" lIns="91440" tIns="45720" rIns="91440" bIns="45720" rtlCol="0">
+            <a:normAutofit/>
+          </a:bodyPr>
+          <a:lstStyle>
+            <a:lvl1pPr marL="283464" indent="-283464" algn="l" defTabSz="914400" rtl="0" eaLnBrk="1" latinLnBrk="0" hangingPunct="1">
+              <a:lnSpc>
+                <a:spcPct val="112000"/>
+              </a:lnSpc>
+              <a:spcBef>
+                <a:spcPts val="900"/>
+              </a:spcBef>
+              <a:buFont typeface="Arial" panose="020B0604020202020204" pitchFamily="34" charset="0"/>
+              <a:buChar char="•"/>
+              <a:defRPr sz="2000" kern="1200" baseline="0">
+                <a:solidFill>
+                  <a:schemeClr val="tx1">
+                    <a:lumMod val="85000"/>
+                    <a:lumOff val="15000"/>
+                  </a:schemeClr>
+                </a:solidFill>
+                <a:latin typeface="+mn-lt"/>
+                <a:ea typeface="+mn-ea"/>
+                <a:cs typeface="+mn-cs"/>
+              </a:defRPr>
+            </a:lvl1pPr>
+            <a:lvl2pPr marL="685800" indent="-283464" algn="l" defTabSz="914400" rtl="0" eaLnBrk="1" latinLnBrk="0" hangingPunct="1">
+              <a:lnSpc>
+                <a:spcPct val="112000"/>
+              </a:lnSpc>
+              <a:spcBef>
+                <a:spcPts val="900"/>
+              </a:spcBef>
+              <a:buFont typeface="Corbel" panose="020B0503020204020204" pitchFamily="34" charset="0"/>
+              <a:buChar char="–"/>
+              <a:defRPr sz="1800" kern="1200" baseline="0">
+                <a:solidFill>
+                  <a:schemeClr val="tx1">
+                    <a:lumMod val="85000"/>
+                    <a:lumOff val="15000"/>
+                  </a:schemeClr>
+                </a:solidFill>
+                <a:latin typeface="+mn-lt"/>
+                <a:ea typeface="+mn-ea"/>
+                <a:cs typeface="+mn-cs"/>
+              </a:defRPr>
+            </a:lvl2pPr>
+            <a:lvl3pPr marL="1143000" indent="-283464" algn="l" defTabSz="914400" rtl="0" eaLnBrk="1" latinLnBrk="0" hangingPunct="1">
+              <a:lnSpc>
+                <a:spcPct val="112000"/>
+              </a:lnSpc>
+              <a:spcBef>
+                <a:spcPts val="900"/>
+              </a:spcBef>
+              <a:buFont typeface="Arial" panose="020B0604020202020204" pitchFamily="34" charset="0"/>
+              <a:buChar char="•"/>
+              <a:defRPr sz="1600" kern="1200" baseline="0">
+                <a:solidFill>
+                  <a:schemeClr val="tx1">
+                    <a:lumMod val="85000"/>
+                    <a:lumOff val="15000"/>
+                  </a:schemeClr>
+                </a:solidFill>
+                <a:latin typeface="+mn-lt"/>
+                <a:ea typeface="+mn-ea"/>
+                <a:cs typeface="+mn-cs"/>
+              </a:defRPr>
+            </a:lvl3pPr>
+            <a:lvl4pPr marL="1600200" indent="-283464" algn="l" defTabSz="914400" rtl="0" eaLnBrk="1" latinLnBrk="0" hangingPunct="1">
+              <a:lnSpc>
+                <a:spcPct val="112000"/>
+              </a:lnSpc>
+              <a:spcBef>
+                <a:spcPts val="900"/>
+              </a:spcBef>
+              <a:buFont typeface="Corbel" panose="020B0503020204020204" pitchFamily="34" charset="0"/>
+              <a:buChar char="–"/>
+              <a:defRPr sz="1400" kern="1200" baseline="0">
+                <a:solidFill>
+                  <a:schemeClr val="tx1">
+                    <a:lumMod val="85000"/>
+                    <a:lumOff val="15000"/>
+                  </a:schemeClr>
+                </a:solidFill>
+                <a:latin typeface="+mn-lt"/>
+                <a:ea typeface="+mn-ea"/>
+                <a:cs typeface="+mn-cs"/>
+              </a:defRPr>
+            </a:lvl4pPr>
+            <a:lvl5pPr marL="2057400" indent="-283464" algn="l" defTabSz="914400" rtl="0" eaLnBrk="1" latinLnBrk="0" hangingPunct="1">
+              <a:lnSpc>
+                <a:spcPct val="112000"/>
+              </a:lnSpc>
+              <a:spcBef>
+                <a:spcPts val="900"/>
+              </a:spcBef>
+              <a:buFont typeface="Arial" panose="020B0604020202020204" pitchFamily="34" charset="0"/>
+              <a:buChar char="•"/>
+              <a:defRPr sz="1400" i="1" kern="1200" baseline="0">
+                <a:solidFill>
+                  <a:schemeClr val="tx1">
+                    <a:lumMod val="85000"/>
+                    <a:lumOff val="15000"/>
+                  </a:schemeClr>
+                </a:solidFill>
+                <a:latin typeface="+mn-lt"/>
+                <a:ea typeface="+mn-ea"/>
+                <a:cs typeface="+mn-cs"/>
+              </a:defRPr>
+            </a:lvl5pPr>
+            <a:lvl6pPr marL="2514600" indent="-283464" algn="l" defTabSz="914400" rtl="0" eaLnBrk="1" latinLnBrk="0" hangingPunct="1">
+              <a:lnSpc>
+                <a:spcPct val="112000"/>
+              </a:lnSpc>
+              <a:spcBef>
+                <a:spcPts val="1300"/>
+              </a:spcBef>
+              <a:buFont typeface="Corbel" panose="020B0503020204020204" pitchFamily="34" charset="0"/>
+              <a:buChar char="–"/>
+              <a:defRPr sz="1400" kern="1200">
+                <a:solidFill>
+                  <a:schemeClr val="tx1">
+                    <a:lumMod val="85000"/>
+                    <a:lumOff val="15000"/>
+                  </a:schemeClr>
+                </a:solidFill>
+                <a:latin typeface="+mn-lt"/>
+                <a:ea typeface="+mn-ea"/>
+                <a:cs typeface="+mn-cs"/>
+              </a:defRPr>
+            </a:lvl6pPr>
+            <a:lvl7pPr marL="2971800" indent="-283464" algn="l" defTabSz="914400" rtl="0" eaLnBrk="1" latinLnBrk="0" hangingPunct="1">
+              <a:lnSpc>
+                <a:spcPct val="112000"/>
+              </a:lnSpc>
+              <a:spcBef>
+                <a:spcPts val="1300"/>
+              </a:spcBef>
+              <a:buFont typeface="Arial" panose="020B0604020202020204" pitchFamily="34" charset="0"/>
+              <a:buChar char="•"/>
+              <a:defRPr sz="1400" i="1" kern="1200">
+                <a:solidFill>
+                  <a:schemeClr val="tx1">
+                    <a:lumMod val="85000"/>
+                    <a:lumOff val="15000"/>
+                  </a:schemeClr>
+                </a:solidFill>
+                <a:latin typeface="+mn-lt"/>
+                <a:ea typeface="+mn-ea"/>
+                <a:cs typeface="+mn-cs"/>
+              </a:defRPr>
+            </a:lvl7pPr>
+            <a:lvl8pPr marL="3429000" indent="-283464" algn="l" defTabSz="914400" rtl="0" eaLnBrk="1" latinLnBrk="0" hangingPunct="1">
+              <a:lnSpc>
+                <a:spcPct val="112000"/>
+              </a:lnSpc>
+              <a:spcBef>
+                <a:spcPts val="1300"/>
+              </a:spcBef>
+              <a:buFont typeface="Corbel" panose="020B0503020204020204" pitchFamily="34" charset="0"/>
+              <a:buChar char="–"/>
+              <a:defRPr sz="1400" kern="1200">
+                <a:solidFill>
+                  <a:schemeClr val="tx1">
+                    <a:lumMod val="85000"/>
+                    <a:lumOff val="15000"/>
+                  </a:schemeClr>
+                </a:solidFill>
+                <a:latin typeface="+mn-lt"/>
+                <a:ea typeface="+mn-ea"/>
+                <a:cs typeface="+mn-cs"/>
+              </a:defRPr>
+            </a:lvl8pPr>
+            <a:lvl9pPr marL="3886200" indent="-283464" algn="l" defTabSz="914400" rtl="0" eaLnBrk="1" latinLnBrk="0" hangingPunct="1">
+              <a:lnSpc>
+                <a:spcPct val="112000"/>
+              </a:lnSpc>
+              <a:spcBef>
+                <a:spcPts val="1300"/>
+              </a:spcBef>
+              <a:buFont typeface="Arial" panose="020B0604020202020204" pitchFamily="34" charset="0"/>
+              <a:buChar char="•"/>
+              <a:defRPr sz="1400" i="1" kern="1200" baseline="0">
+                <a:solidFill>
+                  <a:schemeClr val="tx1">
+                    <a:lumMod val="85000"/>
+                    <a:lumOff val="15000"/>
+                  </a:schemeClr>
+                </a:solidFill>
+                <a:latin typeface="+mn-lt"/>
+                <a:ea typeface="+mn-ea"/>
+                <a:cs typeface="+mn-cs"/>
+              </a:defRPr>
+            </a:lvl9pPr>
+          </a:lstStyle>
+          <a:p>
+            <a:r>
+              <a:rPr lang="en-US" i="1" dirty="0"/>
+              <a:t>Campus Analytics Challenge: Live Green and Live Happy</a:t>
+            </a:r>
+            <a:r>
+              <a:rPr lang="en-US" dirty="0"/>
+              <a:t>, www.mindsumo.com/contests/campus-analytics-challenge-2018. Accessed 30 Nov. 2018.</a:t>
+            </a:r>
           </a:p>
         </p:txBody>
       </p:sp>
